--- a/PracticalComputing/Fall_2018/Hackathons/Round2/Krencius_MK/krencius_hackathonproject_rd2.pptx
+++ b/PracticalComputing/Fall_2018/Hackathons/Round2/Krencius_MK/krencius_hackathonproject_rd2.pptx
@@ -177,7 +177,7 @@
           <a:noFill/>
           <a:extLst>
             <a:ext uri="{909E8E84-426E-40dd-AFC4-6F175D3DCCD1}">
-              <a14:hiddenFill xmlns="" xmlns:a14="http://schemas.microsoft.com/office/drawing/2010/main">
+              <a14:hiddenFill xmlns:a14="http://schemas.microsoft.com/office/drawing/2010/main" xmlns="">
                 <a:solidFill>
                   <a:srgbClr val="FFFFFF"/>
                 </a:solidFill>
@@ -236,7 +236,7 @@
             </a:ln>
             <a:extLst>
               <a:ext uri="{91240B29-F687-4f45-9708-019B960494DF}">
-                <a14:hiddenLine xmlns="" xmlns:a14="http://schemas.microsoft.com/office/drawing/2010/main" w="9525">
+                <a14:hiddenLine xmlns:a14="http://schemas.microsoft.com/office/drawing/2010/main" xmlns="" w="9525">
                   <a:solidFill>
                     <a:srgbClr val="000000"/>
                   </a:solidFill>
@@ -326,7 +326,7 @@
             </a:ln>
             <a:extLst>
               <a:ext uri="{91240B29-F687-4f45-9708-019B960494DF}">
-                <a14:hiddenLine xmlns="" xmlns:a14="http://schemas.microsoft.com/office/drawing/2010/main" w="9525">
+                <a14:hiddenLine xmlns:a14="http://schemas.microsoft.com/office/drawing/2010/main" xmlns="" w="9525">
                   <a:solidFill>
                     <a:srgbClr val="000000"/>
                   </a:solidFill>
@@ -416,7 +416,7 @@
             </a:ln>
             <a:extLst>
               <a:ext uri="{91240B29-F687-4f45-9708-019B960494DF}">
-                <a14:hiddenLine xmlns="" xmlns:a14="http://schemas.microsoft.com/office/drawing/2010/main" w="9525">
+                <a14:hiddenLine xmlns:a14="http://schemas.microsoft.com/office/drawing/2010/main" xmlns="" w="9525">
                   <a:solidFill>
                     <a:srgbClr val="000000"/>
                   </a:solidFill>
@@ -450,7 +450,7 @@
             </a:ln>
             <a:extLst>
               <a:ext uri="{91240B29-F687-4f45-9708-019B960494DF}">
-                <a14:hiddenLine xmlns="" xmlns:a14="http://schemas.microsoft.com/office/drawing/2010/main" w="9525">
+                <a14:hiddenLine xmlns:a14="http://schemas.microsoft.com/office/drawing/2010/main" xmlns="" w="9525">
                   <a:solidFill>
                     <a:srgbClr val="000000"/>
                   </a:solidFill>
@@ -540,7 +540,7 @@
             </a:ln>
             <a:extLst>
               <a:ext uri="{91240B29-F687-4f45-9708-019B960494DF}">
-                <a14:hiddenLine xmlns="" xmlns:a14="http://schemas.microsoft.com/office/drawing/2010/main" w="9525">
+                <a14:hiddenLine xmlns:a14="http://schemas.microsoft.com/office/drawing/2010/main" xmlns="" w="9525">
                   <a:solidFill>
                     <a:srgbClr val="000000"/>
                   </a:solidFill>
@@ -602,7 +602,7 @@
             </a:ln>
             <a:extLst>
               <a:ext uri="{91240B29-F687-4f45-9708-019B960494DF}">
-                <a14:hiddenLine xmlns="" xmlns:a14="http://schemas.microsoft.com/office/drawing/2010/main" w="9525">
+                <a14:hiddenLine xmlns:a14="http://schemas.microsoft.com/office/drawing/2010/main" xmlns="" w="9525">
                   <a:solidFill>
                     <a:srgbClr val="000000"/>
                   </a:solidFill>
@@ -664,7 +664,7 @@
             </a:ln>
             <a:extLst>
               <a:ext uri="{91240B29-F687-4f45-9708-019B960494DF}">
-                <a14:hiddenLine xmlns="" xmlns:a14="http://schemas.microsoft.com/office/drawing/2010/main" w="9525">
+                <a14:hiddenLine xmlns:a14="http://schemas.microsoft.com/office/drawing/2010/main" xmlns="" w="9525">
                   <a:solidFill>
                     <a:srgbClr val="000000"/>
                   </a:solidFill>
@@ -754,7 +754,7 @@
             </a:ln>
             <a:extLst>
               <a:ext uri="{91240B29-F687-4f45-9708-019B960494DF}">
-                <a14:hiddenLine xmlns="" xmlns:a14="http://schemas.microsoft.com/office/drawing/2010/main" w="9525">
+                <a14:hiddenLine xmlns:a14="http://schemas.microsoft.com/office/drawing/2010/main" xmlns="" w="9525">
                   <a:solidFill>
                     <a:srgbClr val="000000"/>
                   </a:solidFill>
@@ -816,7 +816,7 @@
             </a:ln>
             <a:extLst>
               <a:ext uri="{91240B29-F687-4f45-9708-019B960494DF}">
-                <a14:hiddenLine xmlns="" xmlns:a14="http://schemas.microsoft.com/office/drawing/2010/main" w="9525">
+                <a14:hiddenLine xmlns:a14="http://schemas.microsoft.com/office/drawing/2010/main" xmlns="" w="9525">
                   <a:solidFill>
                     <a:srgbClr val="000000"/>
                   </a:solidFill>
@@ -878,7 +878,7 @@
             </a:ln>
             <a:extLst>
               <a:ext uri="{91240B29-F687-4f45-9708-019B960494DF}">
-                <a14:hiddenLine xmlns="" xmlns:a14="http://schemas.microsoft.com/office/drawing/2010/main" w="9525">
+                <a14:hiddenLine xmlns:a14="http://schemas.microsoft.com/office/drawing/2010/main" xmlns="" w="9525">
                   <a:solidFill>
                     <a:srgbClr val="000000"/>
                   </a:solidFill>
@@ -968,7 +968,7 @@
             </a:ln>
             <a:extLst>
               <a:ext uri="{91240B29-F687-4f45-9708-019B960494DF}">
-                <a14:hiddenLine xmlns="" xmlns:a14="http://schemas.microsoft.com/office/drawing/2010/main" w="9525">
+                <a14:hiddenLine xmlns:a14="http://schemas.microsoft.com/office/drawing/2010/main" xmlns="" w="9525">
                   <a:solidFill>
                     <a:srgbClr val="000000"/>
                   </a:solidFill>
@@ -1058,7 +1058,7 @@
             </a:ln>
             <a:extLst>
               <a:ext uri="{91240B29-F687-4f45-9708-019B960494DF}">
-                <a14:hiddenLine xmlns="" xmlns:a14="http://schemas.microsoft.com/office/drawing/2010/main" w="9525">
+                <a14:hiddenLine xmlns:a14="http://schemas.microsoft.com/office/drawing/2010/main" xmlns="" w="9525">
                   <a:solidFill>
                     <a:srgbClr val="000000"/>
                   </a:solidFill>
@@ -1120,7 +1120,7 @@
             </a:ln>
             <a:extLst>
               <a:ext uri="{91240B29-F687-4f45-9708-019B960494DF}">
-                <a14:hiddenLine xmlns="" xmlns:a14="http://schemas.microsoft.com/office/drawing/2010/main" w="9525">
+                <a14:hiddenLine xmlns:a14="http://schemas.microsoft.com/office/drawing/2010/main" xmlns="" w="9525">
                   <a:solidFill>
                     <a:srgbClr val="000000"/>
                   </a:solidFill>
@@ -1230,7 +1230,7 @@
             </a:ln>
             <a:extLst>
               <a:ext uri="{91240B29-F687-4f45-9708-019B960494DF}">
-                <a14:hiddenLine xmlns="" xmlns:a14="http://schemas.microsoft.com/office/drawing/2010/main" w="9525">
+                <a14:hiddenLine xmlns:a14="http://schemas.microsoft.com/office/drawing/2010/main" xmlns="" w="9525">
                   <a:solidFill>
                     <a:srgbClr val="000000"/>
                   </a:solidFill>
@@ -1292,7 +1292,7 @@
             </a:ln>
             <a:extLst>
               <a:ext uri="{91240B29-F687-4f45-9708-019B960494DF}">
-                <a14:hiddenLine xmlns="" xmlns:a14="http://schemas.microsoft.com/office/drawing/2010/main" w="9525">
+                <a14:hiddenLine xmlns:a14="http://schemas.microsoft.com/office/drawing/2010/main" xmlns="" w="9525">
                   <a:solidFill>
                     <a:srgbClr val="000000"/>
                   </a:solidFill>
@@ -1382,7 +1382,7 @@
             </a:ln>
             <a:extLst>
               <a:ext uri="{91240B29-F687-4f45-9708-019B960494DF}">
-                <a14:hiddenLine xmlns="" xmlns:a14="http://schemas.microsoft.com/office/drawing/2010/main" w="9525">
+                <a14:hiddenLine xmlns:a14="http://schemas.microsoft.com/office/drawing/2010/main" xmlns="" w="9525">
                   <a:solidFill>
                     <a:srgbClr val="000000"/>
                   </a:solidFill>
@@ -1472,7 +1472,7 @@
             </a:ln>
             <a:extLst>
               <a:ext uri="{91240B29-F687-4f45-9708-019B960494DF}">
-                <a14:hiddenLine xmlns="" xmlns:a14="http://schemas.microsoft.com/office/drawing/2010/main" w="9525">
+                <a14:hiddenLine xmlns:a14="http://schemas.microsoft.com/office/drawing/2010/main" xmlns="" w="9525">
                   <a:solidFill>
                     <a:srgbClr val="000000"/>
                   </a:solidFill>
@@ -1534,7 +1534,7 @@
             </a:ln>
             <a:extLst>
               <a:ext uri="{91240B29-F687-4f45-9708-019B960494DF}">
-                <a14:hiddenLine xmlns="" xmlns:a14="http://schemas.microsoft.com/office/drawing/2010/main" w="9525">
+                <a14:hiddenLine xmlns:a14="http://schemas.microsoft.com/office/drawing/2010/main" xmlns="" w="9525">
                   <a:solidFill>
                     <a:srgbClr val="000000"/>
                   </a:solidFill>
@@ -1624,7 +1624,7 @@
             </a:ln>
             <a:extLst>
               <a:ext uri="{91240B29-F687-4f45-9708-019B960494DF}">
-                <a14:hiddenLine xmlns="" xmlns:a14="http://schemas.microsoft.com/office/drawing/2010/main" w="9525">
+                <a14:hiddenLine xmlns:a14="http://schemas.microsoft.com/office/drawing/2010/main" xmlns="" w="9525">
                   <a:solidFill>
                     <a:srgbClr val="000000"/>
                   </a:solidFill>
@@ -1714,7 +1714,7 @@
             </a:ln>
             <a:extLst>
               <a:ext uri="{91240B29-F687-4f45-9708-019B960494DF}">
-                <a14:hiddenLine xmlns="" xmlns:a14="http://schemas.microsoft.com/office/drawing/2010/main" w="9525">
+                <a14:hiddenLine xmlns:a14="http://schemas.microsoft.com/office/drawing/2010/main" xmlns="" w="9525">
                   <a:solidFill>
                     <a:srgbClr val="000000"/>
                   </a:solidFill>
@@ -1770,7 +1770,7 @@
             </a:ln>
             <a:extLst>
               <a:ext uri="{91240B29-F687-4f45-9708-019B960494DF}">
-                <a14:hiddenLine xmlns="" xmlns:a14="http://schemas.microsoft.com/office/drawing/2010/main" w="9525">
+                <a14:hiddenLine xmlns:a14="http://schemas.microsoft.com/office/drawing/2010/main" xmlns="" w="9525">
                   <a:solidFill>
                     <a:srgbClr val="000000"/>
                   </a:solidFill>
@@ -1860,7 +1860,7 @@
             </a:ln>
             <a:extLst>
               <a:ext uri="{91240B29-F687-4f45-9708-019B960494DF}">
-                <a14:hiddenLine xmlns="" xmlns:a14="http://schemas.microsoft.com/office/drawing/2010/main" w="9525">
+                <a14:hiddenLine xmlns:a14="http://schemas.microsoft.com/office/drawing/2010/main" xmlns="" w="9525">
                   <a:solidFill>
                     <a:srgbClr val="000000"/>
                   </a:solidFill>
@@ -1916,7 +1916,7 @@
             </a:ln>
             <a:extLst>
               <a:ext uri="{91240B29-F687-4f45-9708-019B960494DF}">
-                <a14:hiddenLine xmlns="" xmlns:a14="http://schemas.microsoft.com/office/drawing/2010/main" w="9525">
+                <a14:hiddenLine xmlns:a14="http://schemas.microsoft.com/office/drawing/2010/main" xmlns="" w="9525">
                   <a:solidFill>
                     <a:srgbClr val="000000"/>
                   </a:solidFill>
@@ -2006,7 +2006,7 @@
             </a:ln>
             <a:extLst>
               <a:ext uri="{91240B29-F687-4f45-9708-019B960494DF}">
-                <a14:hiddenLine xmlns="" xmlns:a14="http://schemas.microsoft.com/office/drawing/2010/main" w="9525">
+                <a14:hiddenLine xmlns:a14="http://schemas.microsoft.com/office/drawing/2010/main" xmlns="" w="9525">
                   <a:solidFill>
                     <a:srgbClr val="000000"/>
                   </a:solidFill>
@@ -2074,7 +2074,7 @@
             </a:ln>
             <a:extLst>
               <a:ext uri="{91240B29-F687-4f45-9708-019B960494DF}">
-                <a14:hiddenLine xmlns="" xmlns:a14="http://schemas.microsoft.com/office/drawing/2010/main" w="9525">
+                <a14:hiddenLine xmlns:a14="http://schemas.microsoft.com/office/drawing/2010/main" xmlns="" w="9525">
                   <a:solidFill>
                     <a:srgbClr val="000000"/>
                   </a:solidFill>
@@ -2164,7 +2164,7 @@
             </a:ln>
             <a:extLst>
               <a:ext uri="{91240B29-F687-4f45-9708-019B960494DF}">
-                <a14:hiddenLine xmlns="" xmlns:a14="http://schemas.microsoft.com/office/drawing/2010/main" w="9525">
+                <a14:hiddenLine xmlns:a14="http://schemas.microsoft.com/office/drawing/2010/main" xmlns="" w="9525">
                   <a:solidFill>
                     <a:srgbClr val="000000"/>
                   </a:solidFill>
@@ -2232,7 +2232,7 @@
             </a:ln>
             <a:extLst>
               <a:ext uri="{91240B29-F687-4f45-9708-019B960494DF}">
-                <a14:hiddenLine xmlns="" xmlns:a14="http://schemas.microsoft.com/office/drawing/2010/main" w="9525">
+                <a14:hiddenLine xmlns:a14="http://schemas.microsoft.com/office/drawing/2010/main" xmlns="" w="9525">
                   <a:solidFill>
                     <a:srgbClr val="000000"/>
                   </a:solidFill>
@@ -2322,7 +2322,7 @@
             </a:ln>
             <a:extLst>
               <a:ext uri="{91240B29-F687-4f45-9708-019B960494DF}">
-                <a14:hiddenLine xmlns="" xmlns:a14="http://schemas.microsoft.com/office/drawing/2010/main" w="9525">
+                <a14:hiddenLine xmlns:a14="http://schemas.microsoft.com/office/drawing/2010/main" xmlns="" w="9525">
                   <a:solidFill>
                     <a:srgbClr val="000000"/>
                   </a:solidFill>
@@ -2356,7 +2356,7 @@
             </a:ln>
             <a:extLst>
               <a:ext uri="{91240B29-F687-4f45-9708-019B960494DF}">
-                <a14:hiddenLine xmlns="" xmlns:a14="http://schemas.microsoft.com/office/drawing/2010/main" w="9525">
+                <a14:hiddenLine xmlns:a14="http://schemas.microsoft.com/office/drawing/2010/main" xmlns="" w="9525">
                   <a:solidFill>
                     <a:srgbClr val="000000"/>
                   </a:solidFill>
@@ -2446,7 +2446,7 @@
             </a:ln>
             <a:extLst>
               <a:ext uri="{91240B29-F687-4f45-9708-019B960494DF}">
-                <a14:hiddenLine xmlns="" xmlns:a14="http://schemas.microsoft.com/office/drawing/2010/main" w="9525">
+                <a14:hiddenLine xmlns:a14="http://schemas.microsoft.com/office/drawing/2010/main" xmlns="" w="9525">
                   <a:solidFill>
                     <a:srgbClr val="000000"/>
                   </a:solidFill>
@@ -2508,7 +2508,7 @@
             </a:ln>
             <a:extLst>
               <a:ext uri="{91240B29-F687-4f45-9708-019B960494DF}">
-                <a14:hiddenLine xmlns="" xmlns:a14="http://schemas.microsoft.com/office/drawing/2010/main" w="9525">
+                <a14:hiddenLine xmlns:a14="http://schemas.microsoft.com/office/drawing/2010/main" xmlns="" w="9525">
                   <a:solidFill>
                     <a:srgbClr val="000000"/>
                   </a:solidFill>
@@ -2570,7 +2570,7 @@
             </a:ln>
             <a:extLst>
               <a:ext uri="{91240B29-F687-4f45-9708-019B960494DF}">
-                <a14:hiddenLine xmlns="" xmlns:a14="http://schemas.microsoft.com/office/drawing/2010/main" w="9525">
+                <a14:hiddenLine xmlns:a14="http://schemas.microsoft.com/office/drawing/2010/main" xmlns="" w="9525">
                   <a:solidFill>
                     <a:srgbClr val="000000"/>
                   </a:solidFill>
@@ -2660,7 +2660,7 @@
             </a:ln>
             <a:extLst>
               <a:ext uri="{91240B29-F687-4f45-9708-019B960494DF}">
-                <a14:hiddenLine xmlns="" xmlns:a14="http://schemas.microsoft.com/office/drawing/2010/main" w="9525">
+                <a14:hiddenLine xmlns:a14="http://schemas.microsoft.com/office/drawing/2010/main" xmlns="" w="9525">
                   <a:solidFill>
                     <a:srgbClr val="000000"/>
                   </a:solidFill>
@@ -2728,7 +2728,7 @@
             </a:ln>
             <a:extLst>
               <a:ext uri="{91240B29-F687-4f45-9708-019B960494DF}">
-                <a14:hiddenLine xmlns="" xmlns:a14="http://schemas.microsoft.com/office/drawing/2010/main" w="9525">
+                <a14:hiddenLine xmlns:a14="http://schemas.microsoft.com/office/drawing/2010/main" xmlns="" w="9525">
                   <a:solidFill>
                     <a:srgbClr val="000000"/>
                   </a:solidFill>
@@ -2790,7 +2790,7 @@
             </a:ln>
             <a:extLst>
               <a:ext uri="{91240B29-F687-4f45-9708-019B960494DF}">
-                <a14:hiddenLine xmlns="" xmlns:a14="http://schemas.microsoft.com/office/drawing/2010/main" w="9525">
+                <a14:hiddenLine xmlns:a14="http://schemas.microsoft.com/office/drawing/2010/main" xmlns="" w="9525">
                   <a:solidFill>
                     <a:srgbClr val="000000"/>
                   </a:solidFill>
@@ -2880,7 +2880,7 @@
             </a:ln>
             <a:extLst>
               <a:ext uri="{91240B29-F687-4f45-9708-019B960494DF}">
-                <a14:hiddenLine xmlns="" xmlns:a14="http://schemas.microsoft.com/office/drawing/2010/main" w="9525">
+                <a14:hiddenLine xmlns:a14="http://schemas.microsoft.com/office/drawing/2010/main" xmlns="" w="9525">
                   <a:solidFill>
                     <a:srgbClr val="000000"/>
                   </a:solidFill>
@@ -2942,7 +2942,7 @@
             </a:ln>
             <a:extLst>
               <a:ext uri="{91240B29-F687-4f45-9708-019B960494DF}">
-                <a14:hiddenLine xmlns="" xmlns:a14="http://schemas.microsoft.com/office/drawing/2010/main" w="9525">
+                <a14:hiddenLine xmlns:a14="http://schemas.microsoft.com/office/drawing/2010/main" xmlns="" w="9525">
                   <a:solidFill>
                     <a:srgbClr val="000000"/>
                   </a:solidFill>
@@ -3032,7 +3032,7 @@
             </a:ln>
             <a:extLst>
               <a:ext uri="{91240B29-F687-4f45-9708-019B960494DF}">
-                <a14:hiddenLine xmlns="" xmlns:a14="http://schemas.microsoft.com/office/drawing/2010/main" w="9525">
+                <a14:hiddenLine xmlns:a14="http://schemas.microsoft.com/office/drawing/2010/main" xmlns="" w="9525">
                   <a:solidFill>
                     <a:srgbClr val="000000"/>
                   </a:solidFill>
@@ -3094,7 +3094,7 @@
             </a:ln>
             <a:extLst>
               <a:ext uri="{91240B29-F687-4f45-9708-019B960494DF}">
-                <a14:hiddenLine xmlns="" xmlns:a14="http://schemas.microsoft.com/office/drawing/2010/main" w="9525">
+                <a14:hiddenLine xmlns:a14="http://schemas.microsoft.com/office/drawing/2010/main" xmlns="" w="9525">
                   <a:solidFill>
                     <a:srgbClr val="000000"/>
                   </a:solidFill>
@@ -3184,7 +3184,7 @@
             </a:ln>
             <a:extLst>
               <a:ext uri="{91240B29-F687-4f45-9708-019B960494DF}">
-                <a14:hiddenLine xmlns="" xmlns:a14="http://schemas.microsoft.com/office/drawing/2010/main" w="9525">
+                <a14:hiddenLine xmlns:a14="http://schemas.microsoft.com/office/drawing/2010/main" xmlns="" w="9525">
                   <a:solidFill>
                     <a:srgbClr val="000000"/>
                   </a:solidFill>
@@ -3218,7 +3218,7 @@
             </a:ln>
             <a:extLst>
               <a:ext uri="{91240B29-F687-4f45-9708-019B960494DF}">
-                <a14:hiddenLine xmlns="" xmlns:a14="http://schemas.microsoft.com/office/drawing/2010/main" w="9525">
+                <a14:hiddenLine xmlns:a14="http://schemas.microsoft.com/office/drawing/2010/main" xmlns="" w="9525">
                   <a:solidFill>
                     <a:srgbClr val="000000"/>
                   </a:solidFill>
@@ -3283,7 +3283,7 @@
             </a:ln>
             <a:extLst>
               <a:ext uri="{91240B29-F687-4f45-9708-019B960494DF}">
-                <a14:hiddenLine xmlns="" xmlns:a14="http://schemas.microsoft.com/office/drawing/2010/main" w="9525">
+                <a14:hiddenLine xmlns:a14="http://schemas.microsoft.com/office/drawing/2010/main" xmlns="" w="9525">
                   <a:solidFill>
                     <a:srgbClr val="000000"/>
                   </a:solidFill>
@@ -3373,7 +3373,7 @@
             </a:ln>
             <a:extLst>
               <a:ext uri="{91240B29-F687-4f45-9708-019B960494DF}">
-                <a14:hiddenLine xmlns="" xmlns:a14="http://schemas.microsoft.com/office/drawing/2010/main" w="9525">
+                <a14:hiddenLine xmlns:a14="http://schemas.microsoft.com/office/drawing/2010/main" xmlns="" w="9525">
                   <a:solidFill>
                     <a:srgbClr val="000000"/>
                   </a:solidFill>
@@ -3435,7 +3435,7 @@
             </a:ln>
             <a:extLst>
               <a:ext uri="{91240B29-F687-4f45-9708-019B960494DF}">
-                <a14:hiddenLine xmlns="" xmlns:a14="http://schemas.microsoft.com/office/drawing/2010/main" w="9525">
+                <a14:hiddenLine xmlns:a14="http://schemas.microsoft.com/office/drawing/2010/main" xmlns="" w="9525">
                   <a:solidFill>
                     <a:srgbClr val="000000"/>
                   </a:solidFill>
@@ -3525,7 +3525,7 @@
             </a:ln>
             <a:extLst>
               <a:ext uri="{91240B29-F687-4f45-9708-019B960494DF}">
-                <a14:hiddenLine xmlns="" xmlns:a14="http://schemas.microsoft.com/office/drawing/2010/main" w="9525">
+                <a14:hiddenLine xmlns:a14="http://schemas.microsoft.com/office/drawing/2010/main" xmlns="" w="9525">
                   <a:solidFill>
                     <a:srgbClr val="000000"/>
                   </a:solidFill>
@@ -3615,7 +3615,7 @@
             </a:ln>
             <a:extLst>
               <a:ext uri="{91240B29-F687-4f45-9708-019B960494DF}">
-                <a14:hiddenLine xmlns="" xmlns:a14="http://schemas.microsoft.com/office/drawing/2010/main" w="9525">
+                <a14:hiddenLine xmlns:a14="http://schemas.microsoft.com/office/drawing/2010/main" xmlns="" w="9525">
                   <a:solidFill>
                     <a:srgbClr val="000000"/>
                   </a:solidFill>
@@ -3680,7 +3680,7 @@
             </a:ln>
             <a:extLst>
               <a:ext uri="{91240B29-F687-4f45-9708-019B960494DF}">
-                <a14:hiddenLine xmlns="" xmlns:a14="http://schemas.microsoft.com/office/drawing/2010/main" w="9525">
+                <a14:hiddenLine xmlns:a14="http://schemas.microsoft.com/office/drawing/2010/main" xmlns="" w="9525">
                   <a:solidFill>
                     <a:srgbClr val="000000"/>
                   </a:solidFill>
@@ -3742,7 +3742,7 @@
             </a:ln>
             <a:extLst>
               <a:ext uri="{91240B29-F687-4f45-9708-019B960494DF}">
-                <a14:hiddenLine xmlns="" xmlns:a14="http://schemas.microsoft.com/office/drawing/2010/main" w="9525">
+                <a14:hiddenLine xmlns:a14="http://schemas.microsoft.com/office/drawing/2010/main" xmlns="" w="9525">
                   <a:solidFill>
                     <a:srgbClr val="000000"/>
                   </a:solidFill>
@@ -3832,7 +3832,7 @@
             </a:ln>
             <a:extLst>
               <a:ext uri="{91240B29-F687-4f45-9708-019B960494DF}">
-                <a14:hiddenLine xmlns="" xmlns:a14="http://schemas.microsoft.com/office/drawing/2010/main" w="9525">
+                <a14:hiddenLine xmlns:a14="http://schemas.microsoft.com/office/drawing/2010/main" xmlns="" w="9525">
                   <a:solidFill>
                     <a:srgbClr val="000000"/>
                   </a:solidFill>
@@ -3922,7 +3922,7 @@
             </a:ln>
             <a:extLst>
               <a:ext uri="{91240B29-F687-4f45-9708-019B960494DF}">
-                <a14:hiddenLine xmlns="" xmlns:a14="http://schemas.microsoft.com/office/drawing/2010/main" w="9525">
+                <a14:hiddenLine xmlns:a14="http://schemas.microsoft.com/office/drawing/2010/main" xmlns="" w="9525">
                   <a:solidFill>
                     <a:srgbClr val="000000"/>
                   </a:solidFill>
@@ -3984,7 +3984,7 @@
             </a:ln>
             <a:extLst>
               <a:ext uri="{91240B29-F687-4f45-9708-019B960494DF}">
-                <a14:hiddenLine xmlns="" xmlns:a14="http://schemas.microsoft.com/office/drawing/2010/main" w="9525">
+                <a14:hiddenLine xmlns:a14="http://schemas.microsoft.com/office/drawing/2010/main" xmlns="" w="9525">
                   <a:solidFill>
                     <a:srgbClr val="000000"/>
                   </a:solidFill>
@@ -4104,7 +4104,7 @@
             </a:ln>
             <a:extLst>
               <a:ext uri="{91240B29-F687-4f45-9708-019B960494DF}">
-                <a14:hiddenLine xmlns="" xmlns:a14="http://schemas.microsoft.com/office/drawing/2010/main" w="9525">
+                <a14:hiddenLine xmlns:a14="http://schemas.microsoft.com/office/drawing/2010/main" xmlns="" w="9525">
                   <a:solidFill>
                     <a:srgbClr val="000000"/>
                   </a:solidFill>
@@ -4172,7 +4172,7 @@
             </a:ln>
             <a:extLst>
               <a:ext uri="{91240B29-F687-4f45-9708-019B960494DF}">
-                <a14:hiddenLine xmlns="" xmlns:a14="http://schemas.microsoft.com/office/drawing/2010/main" w="9525">
+                <a14:hiddenLine xmlns:a14="http://schemas.microsoft.com/office/drawing/2010/main" xmlns="" w="9525">
                   <a:solidFill>
                     <a:srgbClr val="000000"/>
                   </a:solidFill>
@@ -4262,7 +4262,7 @@
             </a:ln>
             <a:extLst>
               <a:ext uri="{91240B29-F687-4f45-9708-019B960494DF}">
-                <a14:hiddenLine xmlns="" xmlns:a14="http://schemas.microsoft.com/office/drawing/2010/main" w="9525">
+                <a14:hiddenLine xmlns:a14="http://schemas.microsoft.com/office/drawing/2010/main" xmlns="" w="9525">
                   <a:solidFill>
                     <a:srgbClr val="000000"/>
                   </a:solidFill>
@@ -4402,7 +4402,7 @@
           <a:p>
             <a:fld id="{48A87A34-81AB-432B-8DAE-1953F412C126}" type="datetimeFigureOut">
               <a:rPr lang="en-US" dirty="0"/>
-              <a:t>11/13/2018</a:t>
+              <a:t>11/15/2018</a:t>
             </a:fld>
             <a:endParaRPr lang="en-US" dirty="0"/>
           </a:p>
@@ -4664,7 +4664,7 @@
           <a:p>
             <a:fld id="{48A87A34-81AB-432B-8DAE-1953F412C126}" type="datetimeFigureOut">
               <a:rPr lang="en-US" dirty="0"/>
-              <a:t>11/13/2018</a:t>
+              <a:t>11/15/2018</a:t>
             </a:fld>
             <a:endParaRPr lang="en-US" dirty="0"/>
           </a:p>
@@ -4855,7 +4855,7 @@
           <a:p>
             <a:fld id="{48A87A34-81AB-432B-8DAE-1953F412C126}" type="datetimeFigureOut">
               <a:rPr lang="en-US" dirty="0"/>
-              <a:t>11/13/2018</a:t>
+              <a:t>11/15/2018</a:t>
             </a:fld>
             <a:endParaRPr lang="en-US" dirty="0"/>
           </a:p>
@@ -5113,7 +5113,7 @@
           <a:p>
             <a:fld id="{48A87A34-81AB-432B-8DAE-1953F412C126}" type="datetimeFigureOut">
               <a:rPr lang="en-US" dirty="0"/>
-              <a:t>11/13/2018</a:t>
+              <a:t>11/15/2018</a:t>
             </a:fld>
             <a:endParaRPr lang="en-US" dirty="0"/>
           </a:p>
@@ -5542,7 +5542,7 @@
           <a:p>
             <a:fld id="{48A87A34-81AB-432B-8DAE-1953F412C126}" type="datetimeFigureOut">
               <a:rPr lang="en-US" dirty="0"/>
-              <a:t>11/13/2018</a:t>
+              <a:t>11/15/2018</a:t>
             </a:fld>
             <a:endParaRPr lang="en-US" dirty="0"/>
           </a:p>
@@ -6083,7 +6083,7 @@
           <a:p>
             <a:fld id="{48A87A34-81AB-432B-8DAE-1953F412C126}" type="datetimeFigureOut">
               <a:rPr lang="en-US" dirty="0"/>
-              <a:t>11/13/2018</a:t>
+              <a:t>11/15/2018</a:t>
             </a:fld>
             <a:endParaRPr lang="en-US" dirty="0"/>
           </a:p>
@@ -6798,7 +6798,7 @@
           <a:p>
             <a:fld id="{48A87A34-81AB-432B-8DAE-1953F412C126}" type="datetimeFigureOut">
               <a:rPr lang="en-US" dirty="0"/>
-              <a:t>11/13/2018</a:t>
+              <a:t>11/15/2018</a:t>
             </a:fld>
             <a:endParaRPr lang="en-US" dirty="0"/>
           </a:p>
@@ -6963,7 +6963,7 @@
           <a:p>
             <a:fld id="{48A87A34-81AB-432B-8DAE-1953F412C126}" type="datetimeFigureOut">
               <a:rPr lang="en-US" dirty="0"/>
-              <a:t>11/13/2018</a:t>
+              <a:t>11/15/2018</a:t>
             </a:fld>
             <a:endParaRPr lang="en-US" dirty="0"/>
           </a:p>
@@ -7138,7 +7138,7 @@
           <a:p>
             <a:fld id="{48A87A34-81AB-432B-8DAE-1953F412C126}" type="datetimeFigureOut">
               <a:rPr lang="en-US" dirty="0"/>
-              <a:t>11/13/2018</a:t>
+              <a:t>11/15/2018</a:t>
             </a:fld>
             <a:endParaRPr lang="en-US" dirty="0"/>
           </a:p>
@@ -7303,7 +7303,7 @@
           <a:p>
             <a:fld id="{48A87A34-81AB-432B-8DAE-1953F412C126}" type="datetimeFigureOut">
               <a:rPr lang="en-US" dirty="0"/>
-              <a:t>11/13/2018</a:t>
+              <a:t>11/15/2018</a:t>
             </a:fld>
             <a:endParaRPr lang="en-US" dirty="0"/>
           </a:p>
@@ -7548,7 +7548,7 @@
           <a:p>
             <a:fld id="{48A87A34-81AB-432B-8DAE-1953F412C126}" type="datetimeFigureOut">
               <a:rPr lang="en-US" dirty="0"/>
-              <a:t>11/13/2018</a:t>
+              <a:t>11/15/2018</a:t>
             </a:fld>
             <a:endParaRPr lang="en-US" dirty="0"/>
           </a:p>
@@ -7775,7 +7775,7 @@
           <a:p>
             <a:fld id="{48A87A34-81AB-432B-8DAE-1953F412C126}" type="datetimeFigureOut">
               <a:rPr lang="en-US" dirty="0"/>
-              <a:t>11/13/2018</a:t>
+              <a:t>11/15/2018</a:t>
             </a:fld>
             <a:endParaRPr lang="en-US" dirty="0"/>
           </a:p>
@@ -8151,7 +8151,7 @@
           <a:p>
             <a:fld id="{48A87A34-81AB-432B-8DAE-1953F412C126}" type="datetimeFigureOut">
               <a:rPr lang="en-US" dirty="0"/>
-              <a:t>11/13/2018</a:t>
+              <a:t>11/15/2018</a:t>
             </a:fld>
             <a:endParaRPr lang="en-US" dirty="0"/>
           </a:p>
@@ -8264,7 +8264,7 @@
           <a:p>
             <a:fld id="{48A87A34-81AB-432B-8DAE-1953F412C126}" type="datetimeFigureOut">
               <a:rPr lang="en-US" dirty="0"/>
-              <a:t>11/13/2018</a:t>
+              <a:t>11/15/2018</a:t>
             </a:fld>
             <a:endParaRPr lang="en-US" dirty="0"/>
           </a:p>
@@ -8354,7 +8354,7 @@
           <a:p>
             <a:fld id="{48A87A34-81AB-432B-8DAE-1953F412C126}" type="datetimeFigureOut">
               <a:rPr lang="en-US" dirty="0"/>
-              <a:t>11/13/2018</a:t>
+              <a:t>11/15/2018</a:t>
             </a:fld>
             <a:endParaRPr lang="en-US" dirty="0"/>
           </a:p>
@@ -8598,7 +8598,7 @@
           <a:p>
             <a:fld id="{48A87A34-81AB-432B-8DAE-1953F412C126}" type="datetimeFigureOut">
               <a:rPr lang="en-US" dirty="0"/>
-              <a:t>11/13/2018</a:t>
+              <a:t>11/15/2018</a:t>
             </a:fld>
             <a:endParaRPr lang="en-US" dirty="0"/>
           </a:p>
@@ -8873,7 +8873,7 @@
           <a:p>
             <a:fld id="{48A87A34-81AB-432B-8DAE-1953F412C126}" type="datetimeFigureOut">
               <a:rPr lang="en-US" dirty="0"/>
-              <a:t>11/13/2018</a:t>
+              <a:t>11/15/2018</a:t>
             </a:fld>
             <a:endParaRPr lang="en-US" dirty="0"/>
           </a:p>
@@ -8991,7 +8991,7 @@
           <a:noFill/>
           <a:extLst>
             <a:ext uri="{909E8E84-426E-40dd-AFC4-6F175D3DCCD1}">
-              <a14:hiddenFill xmlns="" xmlns:a14="http://schemas.microsoft.com/office/drawing/2010/main">
+              <a14:hiddenFill xmlns:a14="http://schemas.microsoft.com/office/drawing/2010/main" xmlns="">
                 <a:solidFill>
                   <a:srgbClr val="FFFFFF"/>
                 </a:solidFill>
@@ -9065,7 +9065,7 @@
               </a:ln>
               <a:extLst>
                 <a:ext uri="{91240B29-F687-4f45-9708-019B960494DF}">
-                  <a14:hiddenLine xmlns="" xmlns:a14="http://schemas.microsoft.com/office/drawing/2010/main" w="9525">
+                  <a14:hiddenLine xmlns:a14="http://schemas.microsoft.com/office/drawing/2010/main" xmlns="" w="9525">
                     <a:solidFill>
                       <a:srgbClr val="000000"/>
                     </a:solidFill>
@@ -9155,7 +9155,7 @@
               </a:ln>
               <a:extLst>
                 <a:ext uri="{91240B29-F687-4f45-9708-019B960494DF}">
-                  <a14:hiddenLine xmlns="" xmlns:a14="http://schemas.microsoft.com/office/drawing/2010/main" w="9525">
+                  <a14:hiddenLine xmlns:a14="http://schemas.microsoft.com/office/drawing/2010/main" xmlns="" w="9525">
                     <a:solidFill>
                       <a:srgbClr val="000000"/>
                     </a:solidFill>
@@ -9245,7 +9245,7 @@
               </a:ln>
               <a:extLst>
                 <a:ext uri="{91240B29-F687-4f45-9708-019B960494DF}">
-                  <a14:hiddenLine xmlns="" xmlns:a14="http://schemas.microsoft.com/office/drawing/2010/main" w="9525">
+                  <a14:hiddenLine xmlns:a14="http://schemas.microsoft.com/office/drawing/2010/main" xmlns="" w="9525">
                     <a:solidFill>
                       <a:srgbClr val="000000"/>
                     </a:solidFill>
@@ -9307,7 +9307,7 @@
               </a:ln>
               <a:extLst>
                 <a:ext uri="{91240B29-F687-4f45-9708-019B960494DF}">
-                  <a14:hiddenLine xmlns="" xmlns:a14="http://schemas.microsoft.com/office/drawing/2010/main" w="9525">
+                  <a14:hiddenLine xmlns:a14="http://schemas.microsoft.com/office/drawing/2010/main" xmlns="" w="9525">
                     <a:solidFill>
                       <a:srgbClr val="000000"/>
                     </a:solidFill>
@@ -9397,7 +9397,7 @@
               </a:ln>
               <a:extLst>
                 <a:ext uri="{91240B29-F687-4f45-9708-019B960494DF}">
-                  <a14:hiddenLine xmlns="" xmlns:a14="http://schemas.microsoft.com/office/drawing/2010/main" w="9525">
+                  <a14:hiddenLine xmlns:a14="http://schemas.microsoft.com/office/drawing/2010/main" xmlns="" w="9525">
                     <a:solidFill>
                       <a:srgbClr val="000000"/>
                     </a:solidFill>
@@ -9459,7 +9459,7 @@
               </a:ln>
               <a:extLst>
                 <a:ext uri="{91240B29-F687-4f45-9708-019B960494DF}">
-                  <a14:hiddenLine xmlns="" xmlns:a14="http://schemas.microsoft.com/office/drawing/2010/main" w="9525">
+                  <a14:hiddenLine xmlns:a14="http://schemas.microsoft.com/office/drawing/2010/main" xmlns="" w="9525">
                     <a:solidFill>
                       <a:srgbClr val="000000"/>
                     </a:solidFill>
@@ -9521,7 +9521,7 @@
               </a:ln>
               <a:extLst>
                 <a:ext uri="{91240B29-F687-4f45-9708-019B960494DF}">
-                  <a14:hiddenLine xmlns="" xmlns:a14="http://schemas.microsoft.com/office/drawing/2010/main" w="9525">
+                  <a14:hiddenLine xmlns:a14="http://schemas.microsoft.com/office/drawing/2010/main" xmlns="" w="9525">
                     <a:solidFill>
                       <a:srgbClr val="000000"/>
                     </a:solidFill>
@@ -9611,7 +9611,7 @@
               </a:ln>
               <a:extLst>
                 <a:ext uri="{91240B29-F687-4f45-9708-019B960494DF}">
-                  <a14:hiddenLine xmlns="" xmlns:a14="http://schemas.microsoft.com/office/drawing/2010/main" w="9525">
+                  <a14:hiddenLine xmlns:a14="http://schemas.microsoft.com/office/drawing/2010/main" xmlns="" w="9525">
                     <a:solidFill>
                       <a:srgbClr val="000000"/>
                     </a:solidFill>
@@ -9701,7 +9701,7 @@
               </a:ln>
               <a:extLst>
                 <a:ext uri="{91240B29-F687-4f45-9708-019B960494DF}">
-                  <a14:hiddenLine xmlns="" xmlns:a14="http://schemas.microsoft.com/office/drawing/2010/main" w="9525">
+                  <a14:hiddenLine xmlns:a14="http://schemas.microsoft.com/office/drawing/2010/main" xmlns="" w="9525">
                     <a:solidFill>
                       <a:srgbClr val="000000"/>
                     </a:solidFill>
@@ -9763,7 +9763,7 @@
               </a:ln>
               <a:extLst>
                 <a:ext uri="{91240B29-F687-4f45-9708-019B960494DF}">
-                  <a14:hiddenLine xmlns="" xmlns:a14="http://schemas.microsoft.com/office/drawing/2010/main" w="9525">
+                  <a14:hiddenLine xmlns:a14="http://schemas.microsoft.com/office/drawing/2010/main" xmlns="" w="9525">
                     <a:solidFill>
                       <a:srgbClr val="000000"/>
                     </a:solidFill>
@@ -9873,7 +9873,7 @@
               </a:ln>
               <a:extLst>
                 <a:ext uri="{91240B29-F687-4f45-9708-019B960494DF}">
-                  <a14:hiddenLine xmlns="" xmlns:a14="http://schemas.microsoft.com/office/drawing/2010/main" w="9525">
+                  <a14:hiddenLine xmlns:a14="http://schemas.microsoft.com/office/drawing/2010/main" xmlns="" w="9525">
                     <a:solidFill>
                       <a:srgbClr val="000000"/>
                     </a:solidFill>
@@ -9957,7 +9957,7 @@
               </a:ln>
               <a:extLst>
                 <a:ext uri="{91240B29-F687-4f45-9708-019B960494DF}">
-                  <a14:hiddenLine xmlns="" xmlns:a14="http://schemas.microsoft.com/office/drawing/2010/main" w="9525">
+                  <a14:hiddenLine xmlns:a14="http://schemas.microsoft.com/office/drawing/2010/main" xmlns="" w="9525">
                     <a:solidFill>
                       <a:srgbClr val="000000"/>
                     </a:solidFill>
@@ -10019,7 +10019,7 @@
               </a:ln>
               <a:extLst>
                 <a:ext uri="{91240B29-F687-4f45-9708-019B960494DF}">
-                  <a14:hiddenLine xmlns="" xmlns:a14="http://schemas.microsoft.com/office/drawing/2010/main" w="9525">
+                  <a14:hiddenLine xmlns:a14="http://schemas.microsoft.com/office/drawing/2010/main" xmlns="" w="9525">
                     <a:solidFill>
                       <a:srgbClr val="000000"/>
                     </a:solidFill>
@@ -10081,7 +10081,7 @@
               </a:ln>
               <a:extLst>
                 <a:ext uri="{91240B29-F687-4f45-9708-019B960494DF}">
-                  <a14:hiddenLine xmlns="" xmlns:a14="http://schemas.microsoft.com/office/drawing/2010/main" w="9525">
+                  <a14:hiddenLine xmlns:a14="http://schemas.microsoft.com/office/drawing/2010/main" xmlns="" w="9525">
                     <a:solidFill>
                       <a:srgbClr val="000000"/>
                     </a:solidFill>
@@ -10171,7 +10171,7 @@
               </a:ln>
               <a:extLst>
                 <a:ext uri="{91240B29-F687-4f45-9708-019B960494DF}">
-                  <a14:hiddenLine xmlns="" xmlns:a14="http://schemas.microsoft.com/office/drawing/2010/main" w="9525">
+                  <a14:hiddenLine xmlns:a14="http://schemas.microsoft.com/office/drawing/2010/main" xmlns="" w="9525">
                     <a:solidFill>
                       <a:srgbClr val="000000"/>
                     </a:solidFill>
@@ -10205,7 +10205,7 @@
               </a:ln>
               <a:extLst>
                 <a:ext uri="{91240B29-F687-4f45-9708-019B960494DF}">
-                  <a14:hiddenLine xmlns="" xmlns:a14="http://schemas.microsoft.com/office/drawing/2010/main" w="9525">
+                  <a14:hiddenLine xmlns:a14="http://schemas.microsoft.com/office/drawing/2010/main" xmlns="" w="9525">
                     <a:solidFill>
                       <a:srgbClr val="000000"/>
                     </a:solidFill>
@@ -10270,7 +10270,7 @@
               </a:ln>
               <a:extLst>
                 <a:ext uri="{91240B29-F687-4f45-9708-019B960494DF}">
-                  <a14:hiddenLine xmlns="" xmlns:a14="http://schemas.microsoft.com/office/drawing/2010/main" w="9525">
+                  <a14:hiddenLine xmlns:a14="http://schemas.microsoft.com/office/drawing/2010/main" xmlns="" w="9525">
                     <a:solidFill>
                       <a:srgbClr val="000000"/>
                     </a:solidFill>
@@ -10360,7 +10360,7 @@
               </a:ln>
               <a:extLst>
                 <a:ext uri="{91240B29-F687-4f45-9708-019B960494DF}">
-                  <a14:hiddenLine xmlns="" xmlns:a14="http://schemas.microsoft.com/office/drawing/2010/main" w="9525">
+                  <a14:hiddenLine xmlns:a14="http://schemas.microsoft.com/office/drawing/2010/main" xmlns="" w="9525">
                     <a:solidFill>
                       <a:srgbClr val="000000"/>
                     </a:solidFill>
@@ -10422,7 +10422,7 @@
               </a:ln>
               <a:extLst>
                 <a:ext uri="{91240B29-F687-4f45-9708-019B960494DF}">
-                  <a14:hiddenLine xmlns="" xmlns:a14="http://schemas.microsoft.com/office/drawing/2010/main" w="9525">
+                  <a14:hiddenLine xmlns:a14="http://schemas.microsoft.com/office/drawing/2010/main" xmlns="" w="9525">
                     <a:solidFill>
                       <a:srgbClr val="000000"/>
                     </a:solidFill>
@@ -10512,7 +10512,7 @@
               </a:ln>
               <a:extLst>
                 <a:ext uri="{91240B29-F687-4f45-9708-019B960494DF}">
-                  <a14:hiddenLine xmlns="" xmlns:a14="http://schemas.microsoft.com/office/drawing/2010/main" w="9525">
+                  <a14:hiddenLine xmlns:a14="http://schemas.microsoft.com/office/drawing/2010/main" xmlns="" w="9525">
                     <a:solidFill>
                       <a:srgbClr val="000000"/>
                     </a:solidFill>
@@ -10577,7 +10577,7 @@
               </a:ln>
               <a:extLst>
                 <a:ext uri="{91240B29-F687-4f45-9708-019B960494DF}">
-                  <a14:hiddenLine xmlns="" xmlns:a14="http://schemas.microsoft.com/office/drawing/2010/main" w="9525">
+                  <a14:hiddenLine xmlns:a14="http://schemas.microsoft.com/office/drawing/2010/main" xmlns="" w="9525">
                     <a:solidFill>
                       <a:srgbClr val="000000"/>
                     </a:solidFill>
@@ -10639,7 +10639,7 @@
               </a:ln>
               <a:extLst>
                 <a:ext uri="{91240B29-F687-4f45-9708-019B960494DF}">
-                  <a14:hiddenLine xmlns="" xmlns:a14="http://schemas.microsoft.com/office/drawing/2010/main" w="9525">
+                  <a14:hiddenLine xmlns:a14="http://schemas.microsoft.com/office/drawing/2010/main" xmlns="" w="9525">
                     <a:solidFill>
                       <a:srgbClr val="000000"/>
                     </a:solidFill>
@@ -10729,7 +10729,7 @@
               </a:ln>
               <a:extLst>
                 <a:ext uri="{91240B29-F687-4f45-9708-019B960494DF}">
-                  <a14:hiddenLine xmlns="" xmlns:a14="http://schemas.microsoft.com/office/drawing/2010/main" w="9525">
+                  <a14:hiddenLine xmlns:a14="http://schemas.microsoft.com/office/drawing/2010/main" xmlns="" w="9525">
                     <a:solidFill>
                       <a:srgbClr val="000000"/>
                     </a:solidFill>
@@ -10819,7 +10819,7 @@
               </a:ln>
               <a:extLst>
                 <a:ext uri="{91240B29-F687-4f45-9708-019B960494DF}">
-                  <a14:hiddenLine xmlns="" xmlns:a14="http://schemas.microsoft.com/office/drawing/2010/main" w="9525">
+                  <a14:hiddenLine xmlns:a14="http://schemas.microsoft.com/office/drawing/2010/main" xmlns="" w="9525">
                     <a:solidFill>
                       <a:srgbClr val="000000"/>
                     </a:solidFill>
@@ -10884,7 +10884,7 @@
               </a:ln>
               <a:extLst>
                 <a:ext uri="{91240B29-F687-4f45-9708-019B960494DF}">
-                  <a14:hiddenLine xmlns="" xmlns:a14="http://schemas.microsoft.com/office/drawing/2010/main" w="9525">
+                  <a14:hiddenLine xmlns:a14="http://schemas.microsoft.com/office/drawing/2010/main" xmlns="" w="9525">
                     <a:solidFill>
                       <a:srgbClr val="000000"/>
                     </a:solidFill>
@@ -11004,7 +11004,7 @@
               </a:ln>
               <a:extLst>
                 <a:ext uri="{91240B29-F687-4f45-9708-019B960494DF}">
-                  <a14:hiddenLine xmlns="" xmlns:a14="http://schemas.microsoft.com/office/drawing/2010/main" w="9525">
+                  <a14:hiddenLine xmlns:a14="http://schemas.microsoft.com/office/drawing/2010/main" xmlns="" w="9525">
                     <a:solidFill>
                       <a:srgbClr val="000000"/>
                     </a:solidFill>
@@ -11085,7 +11085,7 @@
               </a:ln>
               <a:extLst>
                 <a:ext uri="{91240B29-F687-4f45-9708-019B960494DF}">
-                  <a14:hiddenLine xmlns="" xmlns:a14="http://schemas.microsoft.com/office/drawing/2010/main" w="9525">
+                  <a14:hiddenLine xmlns:a14="http://schemas.microsoft.com/office/drawing/2010/main" xmlns="" w="9525">
                     <a:solidFill>
                       <a:srgbClr val="000000"/>
                     </a:solidFill>
@@ -11200,7 +11200,7 @@
               </a:ln>
               <a:extLst>
                 <a:ext uri="{91240B29-F687-4f45-9708-019B960494DF}">
-                  <a14:hiddenLine xmlns="" xmlns:a14="http://schemas.microsoft.com/office/drawing/2010/main" w="9525">
+                  <a14:hiddenLine xmlns:a14="http://schemas.microsoft.com/office/drawing/2010/main" xmlns="" w="9525">
                     <a:solidFill>
                       <a:srgbClr val="000000"/>
                     </a:solidFill>
@@ -11290,7 +11290,7 @@
               </a:ln>
               <a:extLst>
                 <a:ext uri="{91240B29-F687-4f45-9708-019B960494DF}">
-                  <a14:hiddenLine xmlns="" xmlns:a14="http://schemas.microsoft.com/office/drawing/2010/main" w="9525">
+                  <a14:hiddenLine xmlns:a14="http://schemas.microsoft.com/office/drawing/2010/main" xmlns="" w="9525">
                     <a:solidFill>
                       <a:srgbClr val="000000"/>
                     </a:solidFill>
@@ -11355,7 +11355,7 @@
               </a:ln>
               <a:extLst>
                 <a:ext uri="{91240B29-F687-4f45-9708-019B960494DF}">
-                  <a14:hiddenLine xmlns="" xmlns:a14="http://schemas.microsoft.com/office/drawing/2010/main" w="9525">
+                  <a14:hiddenLine xmlns:a14="http://schemas.microsoft.com/office/drawing/2010/main" xmlns="" w="9525">
                     <a:solidFill>
                       <a:srgbClr val="000000"/>
                     </a:solidFill>
@@ -11445,7 +11445,7 @@
               </a:ln>
               <a:extLst>
                 <a:ext uri="{91240B29-F687-4f45-9708-019B960494DF}">
-                  <a14:hiddenLine xmlns="" xmlns:a14="http://schemas.microsoft.com/office/drawing/2010/main" w="9525">
+                  <a14:hiddenLine xmlns:a14="http://schemas.microsoft.com/office/drawing/2010/main" xmlns="" w="9525">
                     <a:solidFill>
                       <a:srgbClr val="000000"/>
                     </a:solidFill>
@@ -11513,7 +11513,7 @@
               </a:ln>
               <a:extLst>
                 <a:ext uri="{91240B29-F687-4f45-9708-019B960494DF}">
-                  <a14:hiddenLine xmlns="" xmlns:a14="http://schemas.microsoft.com/office/drawing/2010/main" w="9525">
+                  <a14:hiddenLine xmlns:a14="http://schemas.microsoft.com/office/drawing/2010/main" xmlns="" w="9525">
                     <a:solidFill>
                       <a:srgbClr val="000000"/>
                     </a:solidFill>
@@ -11603,7 +11603,7 @@
               </a:ln>
               <a:extLst>
                 <a:ext uri="{91240B29-F687-4f45-9708-019B960494DF}">
-                  <a14:hiddenLine xmlns="" xmlns:a14="http://schemas.microsoft.com/office/drawing/2010/main" w="9525">
+                  <a14:hiddenLine xmlns:a14="http://schemas.microsoft.com/office/drawing/2010/main" xmlns="" w="9525">
                     <a:solidFill>
                       <a:srgbClr val="000000"/>
                     </a:solidFill>
@@ -11671,7 +11671,7 @@
               </a:ln>
               <a:extLst>
                 <a:ext uri="{91240B29-F687-4f45-9708-019B960494DF}">
-                  <a14:hiddenLine xmlns="" xmlns:a14="http://schemas.microsoft.com/office/drawing/2010/main" w="9525">
+                  <a14:hiddenLine xmlns:a14="http://schemas.microsoft.com/office/drawing/2010/main" xmlns="" w="9525">
                     <a:solidFill>
                       <a:srgbClr val="000000"/>
                     </a:solidFill>
@@ -11761,7 +11761,7 @@
               </a:ln>
               <a:extLst>
                 <a:ext uri="{91240B29-F687-4f45-9708-019B960494DF}">
-                  <a14:hiddenLine xmlns="" xmlns:a14="http://schemas.microsoft.com/office/drawing/2010/main" w="9525">
+                  <a14:hiddenLine xmlns:a14="http://schemas.microsoft.com/office/drawing/2010/main" xmlns="" w="9525">
                     <a:solidFill>
                       <a:srgbClr val="000000"/>
                     </a:solidFill>
@@ -11795,7 +11795,7 @@
               </a:ln>
               <a:extLst>
                 <a:ext uri="{91240B29-F687-4f45-9708-019B960494DF}">
-                  <a14:hiddenLine xmlns="" xmlns:a14="http://schemas.microsoft.com/office/drawing/2010/main" w="9525">
+                  <a14:hiddenLine xmlns:a14="http://schemas.microsoft.com/office/drawing/2010/main" xmlns="" w="9525">
                     <a:solidFill>
                       <a:srgbClr val="000000"/>
                     </a:solidFill>
@@ -11936,7 +11936,7 @@
             <a:fld id="{48A87A34-81AB-432B-8DAE-1953F412C126}" type="datetimeFigureOut">
               <a:rPr lang="en-US" dirty="0"/>
               <a:pPr/>
-              <a:t>11/13/2018</a:t>
+              <a:t>11/15/2018</a:t>
             </a:fld>
             <a:endParaRPr lang="en-US" dirty="0"/>
           </a:p>
@@ -12935,8 +12935,13 @@
           <a:p>
             <a:r>
               <a:rPr lang="en-US" dirty="0"/>
-              <a:t>Input 2: a text file containing the seed sequences for the miRNA(s) in question (4 sequences per miRNA as seed sequences can vary in length)</a:t>
-            </a:r>
+              <a:t>Input 2: a text file containing the seed sequences for the miRNA(s) in question (4 sequences per miRNA, </a:t>
+            </a:r>
+            <a:r>
+              <a:rPr lang="en-US"/>
+              <a:t>one sequence per line)</a:t>
+            </a:r>
+            <a:endParaRPr lang="en-US" dirty="0"/>
           </a:p>
           <a:p>
             <a:r>
